--- a/Team16.pptx
+++ b/Team16.pptx
@@ -3371,27 +3371,27 @@
     </dgm:pt>
   </dgm:ptLst>
   <dgm:cxnLst>
+    <dgm:cxn modelId="{DC0B544E-D5B8-459E-8DDA-8C9E4EED3192}" type="presOf" srcId="{85762E20-5CDE-4696-96C4-0A7529466C51}" destId="{54871927-703C-4ED3-8AC8-4802996071AC}" srcOrd="0" destOrd="0" presId="urn:microsoft.com/office/officeart/2005/8/layout/chevron2"/>
+    <dgm:cxn modelId="{D5500CD3-5F90-44A7-AA44-301C02E4F0CF}" srcId="{61025102-7C99-4B92-952B-718799F33D33}" destId="{95307A1F-18E6-4061-967F-28571BE36EB5}" srcOrd="0" destOrd="0" parTransId="{2895ED0C-F178-48AB-9B64-1AEE13436847}" sibTransId="{D11C7394-F259-40D5-85AE-4157658172B1}"/>
+    <dgm:cxn modelId="{81BBC2FC-9B66-4694-B601-1C9984E89BBA}" type="presOf" srcId="{CA605258-B4AF-489D-ACEB-7D7B4640A09C}" destId="{7868B446-FF13-414B-9798-C117F0DBDFDE}" srcOrd="0" destOrd="0" presId="urn:microsoft.com/office/officeart/2005/8/layout/chevron2"/>
     <dgm:cxn modelId="{4EB863B8-26FB-45C6-B8D2-D0FA043557DA}" type="presOf" srcId="{CF52BFFA-2F08-4861-92AE-96B4BB1CE19A}" destId="{0167A542-9AA2-4F4E-9140-1839BAE4051F}" srcOrd="0" destOrd="0" presId="urn:microsoft.com/office/officeart/2005/8/layout/chevron2"/>
+    <dgm:cxn modelId="{86E2FAA6-EFD8-4606-A48E-F277E75CA815}" type="presOf" srcId="{961B47E9-B5E6-494F-AAB1-03A3FA879983}" destId="{12C05C55-F8AD-4546-B842-329A17B413C3}" srcOrd="0" destOrd="0" presId="urn:microsoft.com/office/officeart/2005/8/layout/chevron2"/>
+    <dgm:cxn modelId="{616BED94-3838-45CC-84FA-80B4F37146F7}" type="presOf" srcId="{4071DBE4-C815-4041-9043-1FCEAFA376E1}" destId="{139F4B44-8E93-4AFC-BDDB-85AE662F6F13}" srcOrd="0" destOrd="0" presId="urn:microsoft.com/office/officeart/2005/8/layout/chevron2"/>
+    <dgm:cxn modelId="{771C7DA1-3A62-44AF-8E10-C15E8693C6BF}" type="presOf" srcId="{DAE9BD1A-C78D-4290-8440-7CA1F61F079F}" destId="{CAB634F1-C92D-419B-9BEB-5D07D298BB66}" srcOrd="0" destOrd="0" presId="urn:microsoft.com/office/officeart/2005/8/layout/chevron2"/>
+    <dgm:cxn modelId="{FEC772C0-1BF8-4120-8CA0-D7FE219D4774}" srcId="{8E1F6205-ED4C-4EBD-B964-E9E8ED783AC9}" destId="{61025102-7C99-4B92-952B-718799F33D33}" srcOrd="3" destOrd="0" parTransId="{05FC2B0A-8A22-471C-9403-B9ACE64FE078}" sibTransId="{15E48CAD-68DE-4AAC-95C4-5D4699933080}"/>
+    <dgm:cxn modelId="{1470495B-8697-4A26-9309-E08C3C5D8684}" srcId="{8E1F6205-ED4C-4EBD-B964-E9E8ED783AC9}" destId="{4071DBE4-C815-4041-9043-1FCEAFA376E1}" srcOrd="0" destOrd="0" parTransId="{A90E8D1F-7C02-4868-837B-1FEF6217B3C0}" sibTransId="{0ACEBB04-A371-44E2-A394-FDA9DCB82C87}"/>
+    <dgm:cxn modelId="{925CA6F7-604A-4E57-91A4-3AD21B34D0C6}" srcId="{8E1F6205-ED4C-4EBD-B964-E9E8ED783AC9}" destId="{DA46617B-F1ED-4FB7-8FE6-3FBA29B5B52B}" srcOrd="4" destOrd="0" parTransId="{D4C40837-48C9-43C9-9A15-B9FB060BF8CE}" sibTransId="{E2AF76B3-B680-4284-84D5-79F54D22B12A}"/>
     <dgm:cxn modelId="{E43970F8-1D16-4F9F-9749-D6DDB21517AC}" srcId="{4071DBE4-C815-4041-9043-1FCEAFA376E1}" destId="{DAE9BD1A-C78D-4290-8440-7CA1F61F079F}" srcOrd="0" destOrd="0" parTransId="{F44D2C40-216E-4CC0-93C9-32E9AF10A84F}" sibTransId="{6444894F-9885-44BD-9F45-B7958F61482F}"/>
-    <dgm:cxn modelId="{13A12A38-772F-45E3-A34F-D346DE672219}" srcId="{8E1F6205-ED4C-4EBD-B964-E9E8ED783AC9}" destId="{3911C495-AEF1-4795-A2E3-7E45B3F271FE}" srcOrd="2" destOrd="0" parTransId="{C35722C8-4D87-4E78-BA9F-7865A9969569}" sibTransId="{2C6263CC-9993-4012-AF67-96CDDEB2CF53}"/>
-    <dgm:cxn modelId="{9D59D642-A2B2-4317-8FA5-F794AD55905A}" srcId="{3911C495-AEF1-4795-A2E3-7E45B3F271FE}" destId="{CA605258-B4AF-489D-ACEB-7D7B4640A09C}" srcOrd="0" destOrd="0" parTransId="{A9F7017A-D5CC-4473-BC7C-5F2146686D94}" sibTransId="{EA756DFA-3031-456B-8FDF-EC3E7AD9C865}"/>
-    <dgm:cxn modelId="{744BCFB1-FFC4-46AC-936F-B146F207D94E}" type="presOf" srcId="{61025102-7C99-4B92-952B-718799F33D33}" destId="{5A7E630F-BCFE-4F9E-9066-BE259C96A9B0}" srcOrd="0" destOrd="0" presId="urn:microsoft.com/office/officeart/2005/8/layout/chevron2"/>
-    <dgm:cxn modelId="{FEC772C0-1BF8-4120-8CA0-D7FE219D4774}" srcId="{8E1F6205-ED4C-4EBD-B964-E9E8ED783AC9}" destId="{61025102-7C99-4B92-952B-718799F33D33}" srcOrd="3" destOrd="0" parTransId="{05FC2B0A-8A22-471C-9403-B9ACE64FE078}" sibTransId="{15E48CAD-68DE-4AAC-95C4-5D4699933080}"/>
-    <dgm:cxn modelId="{86E2FAA6-EFD8-4606-A48E-F277E75CA815}" type="presOf" srcId="{961B47E9-B5E6-494F-AAB1-03A3FA879983}" destId="{12C05C55-F8AD-4546-B842-329A17B413C3}" srcOrd="0" destOrd="0" presId="urn:microsoft.com/office/officeart/2005/8/layout/chevron2"/>
-    <dgm:cxn modelId="{D5500CD3-5F90-44A7-AA44-301C02E4F0CF}" srcId="{61025102-7C99-4B92-952B-718799F33D33}" destId="{95307A1F-18E6-4061-967F-28571BE36EB5}" srcOrd="0" destOrd="0" parTransId="{2895ED0C-F178-48AB-9B64-1AEE13436847}" sibTransId="{D11C7394-F259-40D5-85AE-4157658172B1}"/>
-    <dgm:cxn modelId="{DC0B544E-D5B8-459E-8DDA-8C9E4EED3192}" type="presOf" srcId="{85762E20-5CDE-4696-96C4-0A7529466C51}" destId="{54871927-703C-4ED3-8AC8-4802996071AC}" srcOrd="0" destOrd="0" presId="urn:microsoft.com/office/officeart/2005/8/layout/chevron2"/>
-    <dgm:cxn modelId="{81BBC2FC-9B66-4694-B601-1C9984E89BBA}" type="presOf" srcId="{CA605258-B4AF-489D-ACEB-7D7B4640A09C}" destId="{7868B446-FF13-414B-9798-C117F0DBDFDE}" srcOrd="0" destOrd="0" presId="urn:microsoft.com/office/officeart/2005/8/layout/chevron2"/>
+    <dgm:cxn modelId="{35318C8E-00BD-4C82-BA81-D45A923180CD}" srcId="{85762E20-5CDE-4696-96C4-0A7529466C51}" destId="{CF52BFFA-2F08-4861-92AE-96B4BB1CE19A}" srcOrd="0" destOrd="0" parTransId="{52A6E18E-EFF1-468C-9CD0-0B2C8E776559}" sibTransId="{C56DAE8C-418F-41CE-9F45-5DB3AF08A317}"/>
+    <dgm:cxn modelId="{BDE4AA67-A09C-4A5F-98F0-3A949F1EB3D4}" type="presOf" srcId="{3911C495-AEF1-4795-A2E3-7E45B3F271FE}" destId="{FE0A4796-3CFB-476C-8908-4CBC72CF43D3}" srcOrd="0" destOrd="0" presId="urn:microsoft.com/office/officeart/2005/8/layout/chevron2"/>
     <dgm:cxn modelId="{AD6F02C2-996C-45B0-AFBB-9B0C1EE8752A}" type="presOf" srcId="{8E1F6205-ED4C-4EBD-B964-E9E8ED783AC9}" destId="{46D18177-01A3-4DBF-B042-0A90912091E7}" srcOrd="0" destOrd="0" presId="urn:microsoft.com/office/officeart/2005/8/layout/chevron2"/>
     <dgm:cxn modelId="{FC98BB84-00AB-46A8-8E76-0392D1B97075}" type="presOf" srcId="{DA46617B-F1ED-4FB7-8FE6-3FBA29B5B52B}" destId="{B63B7343-B34D-408F-96EC-30DB08CE7AE8}" srcOrd="0" destOrd="0" presId="urn:microsoft.com/office/officeart/2005/8/layout/chevron2"/>
-    <dgm:cxn modelId="{BDE4AA67-A09C-4A5F-98F0-3A949F1EB3D4}" type="presOf" srcId="{3911C495-AEF1-4795-A2E3-7E45B3F271FE}" destId="{FE0A4796-3CFB-476C-8908-4CBC72CF43D3}" srcOrd="0" destOrd="0" presId="urn:microsoft.com/office/officeart/2005/8/layout/chevron2"/>
+    <dgm:cxn modelId="{9D59D642-A2B2-4317-8FA5-F794AD55905A}" srcId="{3911C495-AEF1-4795-A2E3-7E45B3F271FE}" destId="{CA605258-B4AF-489D-ACEB-7D7B4640A09C}" srcOrd="0" destOrd="0" parTransId="{A9F7017A-D5CC-4473-BC7C-5F2146686D94}" sibTransId="{EA756DFA-3031-456B-8FDF-EC3E7AD9C865}"/>
+    <dgm:cxn modelId="{1CD47094-B290-4B44-84FC-0BA5D00E33FC}" srcId="{8E1F6205-ED4C-4EBD-B964-E9E8ED783AC9}" destId="{85762E20-5CDE-4696-96C4-0A7529466C51}" srcOrd="1" destOrd="0" parTransId="{44ED61C7-9F84-4B6A-9BDD-CC28B44106E6}" sibTransId="{8A465A91-534B-46ED-86CD-187E345E8DE5}"/>
+    <dgm:cxn modelId="{13A12A38-772F-45E3-A34F-D346DE672219}" srcId="{8E1F6205-ED4C-4EBD-B964-E9E8ED783AC9}" destId="{3911C495-AEF1-4795-A2E3-7E45B3F271FE}" srcOrd="2" destOrd="0" parTransId="{C35722C8-4D87-4E78-BA9F-7865A9969569}" sibTransId="{2C6263CC-9993-4012-AF67-96CDDEB2CF53}"/>
+    <dgm:cxn modelId="{EEB2BC62-1406-4512-AFC9-BF01B70B1B38}" type="presOf" srcId="{95307A1F-18E6-4061-967F-28571BE36EB5}" destId="{ED84A682-223B-4354-9ABA-1F3C2E469CF2}" srcOrd="0" destOrd="0" presId="urn:microsoft.com/office/officeart/2005/8/layout/chevron2"/>
+    <dgm:cxn modelId="{744BCFB1-FFC4-46AC-936F-B146F207D94E}" type="presOf" srcId="{61025102-7C99-4B92-952B-718799F33D33}" destId="{5A7E630F-BCFE-4F9E-9066-BE259C96A9B0}" srcOrd="0" destOrd="0" presId="urn:microsoft.com/office/officeart/2005/8/layout/chevron2"/>
     <dgm:cxn modelId="{5DB0294B-3075-4D84-A439-46C417F0171F}" srcId="{DA46617B-F1ED-4FB7-8FE6-3FBA29B5B52B}" destId="{961B47E9-B5E6-494F-AAB1-03A3FA879983}" srcOrd="0" destOrd="0" parTransId="{BAFA0F4F-C3C9-406D-B373-0327823F31EF}" sibTransId="{CBB86ACC-6A05-49D3-BBFA-AFAF1FBB150E}"/>
-    <dgm:cxn modelId="{925CA6F7-604A-4E57-91A4-3AD21B34D0C6}" srcId="{8E1F6205-ED4C-4EBD-B964-E9E8ED783AC9}" destId="{DA46617B-F1ED-4FB7-8FE6-3FBA29B5B52B}" srcOrd="4" destOrd="0" parTransId="{D4C40837-48C9-43C9-9A15-B9FB060BF8CE}" sibTransId="{E2AF76B3-B680-4284-84D5-79F54D22B12A}"/>
-    <dgm:cxn modelId="{1CD47094-B290-4B44-84FC-0BA5D00E33FC}" srcId="{8E1F6205-ED4C-4EBD-B964-E9E8ED783AC9}" destId="{85762E20-5CDE-4696-96C4-0A7529466C51}" srcOrd="1" destOrd="0" parTransId="{44ED61C7-9F84-4B6A-9BDD-CC28B44106E6}" sibTransId="{8A465A91-534B-46ED-86CD-187E345E8DE5}"/>
-    <dgm:cxn modelId="{616BED94-3838-45CC-84FA-80B4F37146F7}" type="presOf" srcId="{4071DBE4-C815-4041-9043-1FCEAFA376E1}" destId="{139F4B44-8E93-4AFC-BDDB-85AE662F6F13}" srcOrd="0" destOrd="0" presId="urn:microsoft.com/office/officeart/2005/8/layout/chevron2"/>
-    <dgm:cxn modelId="{EEB2BC62-1406-4512-AFC9-BF01B70B1B38}" type="presOf" srcId="{95307A1F-18E6-4061-967F-28571BE36EB5}" destId="{ED84A682-223B-4354-9ABA-1F3C2E469CF2}" srcOrd="0" destOrd="0" presId="urn:microsoft.com/office/officeart/2005/8/layout/chevron2"/>
-    <dgm:cxn modelId="{1470495B-8697-4A26-9309-E08C3C5D8684}" srcId="{8E1F6205-ED4C-4EBD-B964-E9E8ED783AC9}" destId="{4071DBE4-C815-4041-9043-1FCEAFA376E1}" srcOrd="0" destOrd="0" parTransId="{A90E8D1F-7C02-4868-837B-1FEF6217B3C0}" sibTransId="{0ACEBB04-A371-44E2-A394-FDA9DCB82C87}"/>
-    <dgm:cxn modelId="{771C7DA1-3A62-44AF-8E10-C15E8693C6BF}" type="presOf" srcId="{DAE9BD1A-C78D-4290-8440-7CA1F61F079F}" destId="{CAB634F1-C92D-419B-9BEB-5D07D298BB66}" srcOrd="0" destOrd="0" presId="urn:microsoft.com/office/officeart/2005/8/layout/chevron2"/>
-    <dgm:cxn modelId="{35318C8E-00BD-4C82-BA81-D45A923180CD}" srcId="{85762E20-5CDE-4696-96C4-0A7529466C51}" destId="{CF52BFFA-2F08-4861-92AE-96B4BB1CE19A}" srcOrd="0" destOrd="0" parTransId="{52A6E18E-EFF1-468C-9CD0-0B2C8E776559}" sibTransId="{C56DAE8C-418F-41CE-9F45-5DB3AF08A317}"/>
     <dgm:cxn modelId="{8CDB742C-E9F1-4E78-BFB2-E0F82E555B44}" type="presParOf" srcId="{46D18177-01A3-4DBF-B042-0A90912091E7}" destId="{8F7A045C-042C-41BB-8449-0090A01958FB}" srcOrd="0" destOrd="0" presId="urn:microsoft.com/office/officeart/2005/8/layout/chevron2"/>
     <dgm:cxn modelId="{EE3E0BF2-EBCC-48B9-B2C7-B58E931DB29B}" type="presParOf" srcId="{8F7A045C-042C-41BB-8449-0090A01958FB}" destId="{139F4B44-8E93-4AFC-BDDB-85AE662F6F13}" srcOrd="0" destOrd="0" presId="urn:microsoft.com/office/officeart/2005/8/layout/chevron2"/>
     <dgm:cxn modelId="{C62DC566-5907-48E4-943A-AA3567BC00EA}" type="presParOf" srcId="{8F7A045C-042C-41BB-8449-0090A01958FB}" destId="{CAB634F1-C92D-419B-9BEB-5D07D298BB66}" srcOrd="1" destOrd="0" presId="urn:microsoft.com/office/officeart/2005/8/layout/chevron2"/>
@@ -9111,7 +9111,7 @@
           <a:p>
             <a:fld id="{3388853F-11DF-4436-8212-C6ABFE975CCD}" type="datetimeFigureOut">
               <a:rPr lang="zh-TW" altLang="en-US" smtClean="0"/>
-              <a:t>2018/4/25</a:t>
+              <a:t>2018/5/27</a:t>
             </a:fld>
             <a:endParaRPr lang="zh-TW" altLang="en-US"/>
           </a:p>
@@ -9510,7 +9510,7 @@
           <a:p>
             <a:fld id="{DF6047D9-FEE4-4881-B706-9575ADABFECF}" type="datetimeFigureOut">
               <a:rPr lang="zh-CN" altLang="en-US" smtClean="0"/>
-              <a:t>2018/4/25</a:t>
+              <a:t>2018/5/27</a:t>
             </a:fld>
             <a:endParaRPr lang="zh-CN" altLang="en-US"/>
           </a:p>
@@ -9680,7 +9680,7 @@
           <a:p>
             <a:fld id="{DF6047D9-FEE4-4881-B706-9575ADABFECF}" type="datetimeFigureOut">
               <a:rPr lang="zh-CN" altLang="en-US" smtClean="0"/>
-              <a:t>2018/4/25</a:t>
+              <a:t>2018/5/27</a:t>
             </a:fld>
             <a:endParaRPr lang="zh-CN" altLang="en-US"/>
           </a:p>
@@ -9860,7 +9860,7 @@
           <a:p>
             <a:fld id="{DF6047D9-FEE4-4881-B706-9575ADABFECF}" type="datetimeFigureOut">
               <a:rPr lang="zh-CN" altLang="en-US" smtClean="0"/>
-              <a:t>2018/4/25</a:t>
+              <a:t>2018/5/27</a:t>
             </a:fld>
             <a:endParaRPr lang="zh-CN" altLang="en-US"/>
           </a:p>
@@ -12163,7 +12163,7 @@
           <a:p>
             <a:fld id="{DF6047D9-FEE4-4881-B706-9575ADABFECF}" type="datetimeFigureOut">
               <a:rPr lang="zh-CN" altLang="en-US" smtClean="0"/>
-              <a:t>2018/4/25</a:t>
+              <a:t>2018/5/27</a:t>
             </a:fld>
             <a:endParaRPr lang="zh-CN" altLang="en-US"/>
           </a:p>
@@ -12376,7 +12376,7 @@
           <a:p>
             <a:fld id="{DF6047D9-FEE4-4881-B706-9575ADABFECF}" type="datetimeFigureOut">
               <a:rPr lang="zh-CN" altLang="en-US" smtClean="0"/>
-              <a:t>2018/4/25</a:t>
+              <a:t>2018/5/27</a:t>
             </a:fld>
             <a:endParaRPr lang="zh-CN" altLang="en-US"/>
           </a:p>
@@ -12938,7 +12938,7 @@
         <p:spPr>
           <a:xfrm>
             <a:off x="1907177" y="4034165"/>
-            <a:ext cx="5808617" cy="1695336"/>
+            <a:ext cx="5808617" cy="2862322"/>
           </a:xfrm>
           <a:prstGeom prst="rect">
             <a:avLst/>
@@ -13066,8 +13066,64 @@
                   <a:schemeClr val="bg1"/>
                 </a:solidFill>
               </a:rPr>
-              <a:t> 詹前駒</a:t>
+              <a:t> 詹前</a:t>
             </a:r>
+            <a:r>
+              <a:rPr lang="zh-TW" altLang="en-US" sz="2400" dirty="0" smtClean="0">
+                <a:solidFill>
+                  <a:schemeClr val="bg1"/>
+                </a:solidFill>
+              </a:rPr>
+              <a:t>駒</a:t>
+            </a:r>
+            <a:endParaRPr lang="en-US" altLang="zh-TW" sz="2400" dirty="0" smtClean="0">
+              <a:solidFill>
+                <a:schemeClr val="bg1"/>
+              </a:solidFill>
+            </a:endParaRPr>
+          </a:p>
+          <a:p>
+            <a:pPr algn="ctr">
+              <a:lnSpc>
+                <a:spcPct val="150000"/>
+              </a:lnSpc>
+            </a:pPr>
+            <a:r>
+              <a:rPr lang="zh-TW" altLang="en-US" sz="2400" dirty="0" smtClean="0">
+                <a:solidFill>
+                  <a:schemeClr val="bg1"/>
+                </a:solidFill>
+              </a:rPr>
+              <a:t>                     </a:t>
+            </a:r>
+            <a:r>
+              <a:rPr lang="en-US" altLang="zh-TW" sz="2400" dirty="0" smtClean="0">
+                <a:solidFill>
+                  <a:schemeClr val="bg1"/>
+                </a:solidFill>
+              </a:rPr>
+              <a:t>40472901H</a:t>
+            </a:r>
+            <a:r>
+              <a:rPr lang="zh-TW" altLang="en-US" sz="2400" dirty="0" smtClean="0">
+                <a:solidFill>
+                  <a:schemeClr val="bg1"/>
+                </a:solidFill>
+              </a:rPr>
+              <a:t>曾靖尹</a:t>
+            </a:r>
+            <a:endParaRPr lang="en-US" altLang="zh-TW" sz="2400" dirty="0" smtClean="0">
+              <a:solidFill>
+                <a:schemeClr val="bg1"/>
+              </a:solidFill>
+            </a:endParaRPr>
+          </a:p>
+          <a:p>
+            <a:pPr algn="ctr">
+              <a:lnSpc>
+                <a:spcPct val="150000"/>
+              </a:lnSpc>
+            </a:pPr>
             <a:endParaRPr lang="zh-TW" altLang="en-US" sz="2400" dirty="0">
               <a:solidFill>
                 <a:schemeClr val="bg1"/>
